--- a/Docs/Lab Infrastructure Deployment Track/CISCO FSO CLOUD LAB .pptx
+++ b/Docs/Lab Infrastructure Deployment Track/CISCO FSO CLOUD LAB .pptx
@@ -5,32 +5,34 @@
     <p:sldMasterId id="2147484055" r:id="rId1"/>
   </p:sldMasterIdLst>
   <p:notesMasterIdLst>
-    <p:notesMasterId r:id="rId17"/>
+    <p:notesMasterId r:id="rId19"/>
   </p:notesMasterIdLst>
   <p:handoutMasterIdLst>
-    <p:handoutMasterId r:id="rId18"/>
+    <p:handoutMasterId r:id="rId20"/>
   </p:handoutMasterIdLst>
   <p:sldIdLst>
     <p:sldId id="305" r:id="rId2"/>
     <p:sldId id="5307" r:id="rId3"/>
-    <p:sldId id="5323" r:id="rId4"/>
-    <p:sldId id="5308" r:id="rId5"/>
-    <p:sldId id="5327" r:id="rId6"/>
-    <p:sldId id="5326" r:id="rId7"/>
-    <p:sldId id="5324" r:id="rId8"/>
-    <p:sldId id="5331" r:id="rId9"/>
-    <p:sldId id="5329" r:id="rId10"/>
-    <p:sldId id="5328" r:id="rId11"/>
-    <p:sldId id="5330" r:id="rId12"/>
-    <p:sldId id="5325" r:id="rId13"/>
-    <p:sldId id="5313" r:id="rId14"/>
-    <p:sldId id="5316" r:id="rId15"/>
-    <p:sldId id="5318" r:id="rId16"/>
+    <p:sldId id="5332" r:id="rId4"/>
+    <p:sldId id="5333" r:id="rId5"/>
+    <p:sldId id="5323" r:id="rId6"/>
+    <p:sldId id="5308" r:id="rId7"/>
+    <p:sldId id="5327" r:id="rId8"/>
+    <p:sldId id="5326" r:id="rId9"/>
+    <p:sldId id="5324" r:id="rId10"/>
+    <p:sldId id="5331" r:id="rId11"/>
+    <p:sldId id="5329" r:id="rId12"/>
+    <p:sldId id="5328" r:id="rId13"/>
+    <p:sldId id="5330" r:id="rId14"/>
+    <p:sldId id="5325" r:id="rId15"/>
+    <p:sldId id="5313" r:id="rId16"/>
+    <p:sldId id="5316" r:id="rId17"/>
+    <p:sldId id="5318" r:id="rId18"/>
   </p:sldIdLst>
   <p:sldSz cx="9144000" cy="5143500" type="screen16x9"/>
   <p:notesSz cx="6858000" cy="9144000"/>
   <p:custDataLst>
-    <p:tags r:id="rId19"/>
+    <p:tags r:id="rId21"/>
   </p:custDataLst>
   <p:defaultTextStyle>
     <a:defPPr>
@@ -164,6 +166,8 @@
           <p14:sldIdLst>
             <p14:sldId id="305"/>
             <p14:sldId id="5307"/>
+            <p14:sldId id="5332"/>
+            <p14:sldId id="5333"/>
             <p14:sldId id="5323"/>
             <p14:sldId id="5308"/>
             <p14:sldId id="5327"/>
@@ -338,7 +342,7 @@
               <a:pPr>
                 <a:defRPr/>
               </a:pPr>
-              <a:t>3/11/22</a:t>
+              <a:t>7/19/22</a:t>
             </a:fld>
             <a:endParaRPr lang="en-US"/>
           </a:p>
@@ -561,7 +565,7 @@
               <a:pPr>
                 <a:defRPr/>
               </a:pPr>
-              <a:t>3/11/22</a:t>
+              <a:t>7/19/22</a:t>
             </a:fld>
             <a:endParaRPr lang="en-US"/>
           </a:p>
@@ -1583,7 +1587,7 @@
               </a14:hiddenLine>
             </a:ext>
             <a:ext uri="{FAA26D3D-D897-4be2-8F04-BA451C77F1D7}">
-              <ma14:placeholderFlag xmlns="" xmlns:ma14="http://schemas.microsoft.com/office/mac/drawingml/2011/main" val="1"/>
+              <ma14:placeholderFlag xmlns:ma14="http://schemas.microsoft.com/office/mac/drawingml/2011/main" xmlns="" val="1"/>
             </a:ext>
           </a:extLst>
         </p:spPr>
@@ -1963,14 +1967,14 @@
           </a:ln>
           <a:extLst>
             <a:ext uri="{909E8E84-426E-40dd-AFC4-6F175D3DCCD1}">
-              <a14:hiddenFill xmlns:a14="http://schemas.microsoft.com/office/drawing/2010/main" xmlns="">
+              <a14:hiddenFill xmlns="" xmlns:a14="http://schemas.microsoft.com/office/drawing/2010/main">
                 <a:solidFill>
                   <a:srgbClr val="FFFFFF"/>
                 </a:solidFill>
               </a14:hiddenFill>
             </a:ext>
             <a:ext uri="{91240B29-F687-4f45-9708-019B960494DF}">
-              <a14:hiddenLine xmlns:a14="http://schemas.microsoft.com/office/drawing/2010/main" xmlns="" w="9525">
+              <a14:hiddenLine xmlns="" xmlns:a14="http://schemas.microsoft.com/office/drawing/2010/main" w="9525">
                 <a:solidFill>
                   <a:srgbClr val="000000"/>
                 </a:solidFill>
@@ -2073,7 +2077,7 @@
               </a14:hiddenLine>
             </a:ext>
             <a:ext uri="{FAA26D3D-D897-4be2-8F04-BA451C77F1D7}">
-              <ma14:placeholderFlag xmlns="" xmlns:ma14="http://schemas.microsoft.com/office/mac/drawingml/2011/main" val="1"/>
+              <ma14:placeholderFlag xmlns:ma14="http://schemas.microsoft.com/office/mac/drawingml/2011/main" xmlns="" val="1"/>
             </a:ext>
           </a:extLst>
         </p:spPr>
@@ -2299,14 +2303,14 @@
           </a:ln>
           <a:extLst>
             <a:ext uri="{909E8E84-426E-40dd-AFC4-6F175D3DCCD1}">
-              <a14:hiddenFill xmlns:a14="http://schemas.microsoft.com/office/drawing/2010/main" xmlns="">
+              <a14:hiddenFill xmlns="" xmlns:a14="http://schemas.microsoft.com/office/drawing/2010/main">
                 <a:solidFill>
                   <a:srgbClr val="FFFFFF"/>
                 </a:solidFill>
               </a14:hiddenFill>
             </a:ext>
             <a:ext uri="{91240B29-F687-4f45-9708-019B960494DF}">
-              <a14:hiddenLine xmlns:a14="http://schemas.microsoft.com/office/drawing/2010/main" xmlns="" w="9525">
+              <a14:hiddenLine xmlns="" xmlns:a14="http://schemas.microsoft.com/office/drawing/2010/main" w="9525">
                 <a:solidFill>
                   <a:srgbClr val="000000"/>
                 </a:solidFill>
@@ -2506,14 +2510,14 @@
           </a:ln>
           <a:extLst>
             <a:ext uri="{909E8E84-426E-40dd-AFC4-6F175D3DCCD1}">
-              <a14:hiddenFill xmlns:a14="http://schemas.microsoft.com/office/drawing/2010/main" xmlns="">
+              <a14:hiddenFill xmlns="" xmlns:a14="http://schemas.microsoft.com/office/drawing/2010/main">
                 <a:solidFill>
                   <a:srgbClr val="FFFFFF"/>
                 </a:solidFill>
               </a14:hiddenFill>
             </a:ext>
             <a:ext uri="{91240B29-F687-4f45-9708-019B960494DF}">
-              <a14:hiddenLine xmlns:a14="http://schemas.microsoft.com/office/drawing/2010/main" xmlns="" w="9525">
+              <a14:hiddenLine xmlns="" xmlns:a14="http://schemas.microsoft.com/office/drawing/2010/main" w="9525">
                 <a:solidFill>
                   <a:srgbClr val="000000"/>
                 </a:solidFill>
@@ -2656,14 +2660,14 @@
           </a:ln>
           <a:extLst>
             <a:ext uri="{909E8E84-426E-40dd-AFC4-6F175D3DCCD1}">
-              <a14:hiddenFill xmlns="" xmlns:a14="http://schemas.microsoft.com/office/drawing/2010/main">
+              <a14:hiddenFill xmlns:a14="http://schemas.microsoft.com/office/drawing/2010/main" xmlns="">
                 <a:solidFill>
                   <a:srgbClr val="FFFFFF"/>
                 </a:solidFill>
               </a14:hiddenFill>
             </a:ext>
             <a:ext uri="{91240B29-F687-4f45-9708-019B960494DF}">
-              <a14:hiddenLine xmlns="" xmlns:a14="http://schemas.microsoft.com/office/drawing/2010/main" w="9525">
+              <a14:hiddenLine xmlns:a14="http://schemas.microsoft.com/office/drawing/2010/main" xmlns="" w="9525">
                 <a:solidFill>
                   <a:srgbClr val="000000"/>
                 </a:solidFill>
@@ -2984,7 +2988,7 @@
               </a14:hiddenLine>
             </a:ext>
             <a:ext uri="{FAA26D3D-D897-4be2-8F04-BA451C77F1D7}">
-              <ma14:placeholderFlag xmlns="" xmlns:ma14="http://schemas.microsoft.com/office/mac/drawingml/2011/main" val="1"/>
+              <ma14:placeholderFlag xmlns:ma14="http://schemas.microsoft.com/office/mac/drawingml/2011/main" xmlns="" val="1"/>
             </a:ext>
           </a:extLst>
         </p:spPr>
@@ -3185,7 +3189,7 @@
           </a:ln>
           <a:extLst>
             <a:ext uri="{FAA26D3D-D897-4be2-8F04-BA451C77F1D7}">
-              <ma14:placeholderFlag xmlns="" xmlns:ma14="http://schemas.microsoft.com/office/mac/drawingml/2011/main" val="1"/>
+              <ma14:placeholderFlag xmlns:ma14="http://schemas.microsoft.com/office/mac/drawingml/2011/main" xmlns="" val="1"/>
             </a:ext>
           </a:extLst>
         </p:spPr>
@@ -3552,7 +3556,7 @@
               </a14:hiddenLine>
             </a:ext>
             <a:ext uri="{FAA26D3D-D897-4be2-8F04-BA451C77F1D7}">
-              <ma14:placeholderFlag xmlns="" xmlns:ma14="http://schemas.microsoft.com/office/mac/drawingml/2011/main" val="1"/>
+              <ma14:placeholderFlag xmlns:ma14="http://schemas.microsoft.com/office/mac/drawingml/2011/main" xmlns="" val="1"/>
             </a:ext>
           </a:extLst>
         </p:spPr>
@@ -4117,7 +4121,7 @@
           </a:ln>
           <a:extLst>
             <a:ext uri="{FAA26D3D-D897-4be2-8F04-BA451C77F1D7}">
-              <ma14:placeholderFlag xmlns="" xmlns:ma14="http://schemas.microsoft.com/office/mac/drawingml/2011/main" val="1"/>
+              <ma14:placeholderFlag xmlns:ma14="http://schemas.microsoft.com/office/mac/drawingml/2011/main" xmlns="" val="1"/>
             </a:ext>
           </a:extLst>
         </p:spPr>
@@ -4415,7 +4419,7 @@
           </a:ln>
           <a:extLst>
             <a:ext uri="{FAA26D3D-D897-4be2-8F04-BA451C77F1D7}">
-              <ma14:placeholderFlag xmlns="" xmlns:ma14="http://schemas.microsoft.com/office/mac/drawingml/2011/main" val="1"/>
+              <ma14:placeholderFlag xmlns:ma14="http://schemas.microsoft.com/office/mac/drawingml/2011/main" xmlns="" val="1"/>
             </a:ext>
           </a:extLst>
         </p:spPr>
@@ -4677,7 +4681,7 @@
           </a:ln>
           <a:extLst>
             <a:ext uri="{FAA26D3D-D897-4be2-8F04-BA451C77F1D7}">
-              <ma14:placeholderFlag xmlns="" xmlns:ma14="http://schemas.microsoft.com/office/mac/drawingml/2011/main" val="1"/>
+              <ma14:placeholderFlag xmlns:ma14="http://schemas.microsoft.com/office/mac/drawingml/2011/main" xmlns="" val="1"/>
             </a:ext>
           </a:extLst>
         </p:spPr>
@@ -4915,7 +4919,7 @@
               </a14:hiddenLine>
             </a:ext>
             <a:ext uri="{FAA26D3D-D897-4be2-8F04-BA451C77F1D7}">
-              <ma14:placeholderFlag xmlns="" xmlns:ma14="http://schemas.microsoft.com/office/mac/drawingml/2011/main" val="1"/>
+              <ma14:placeholderFlag xmlns:ma14="http://schemas.microsoft.com/office/mac/drawingml/2011/main" xmlns="" val="1"/>
             </a:ext>
           </a:extLst>
         </p:spPr>
@@ -5185,7 +5189,7 @@
               </a14:hiddenLine>
             </a:ext>
             <a:ext uri="{FAA26D3D-D897-4be2-8F04-BA451C77F1D7}">
-              <ma14:placeholderFlag xmlns="" xmlns:ma14="http://schemas.microsoft.com/office/mac/drawingml/2011/main" val="1"/>
+              <ma14:placeholderFlag xmlns:ma14="http://schemas.microsoft.com/office/mac/drawingml/2011/main" xmlns="" val="1"/>
             </a:ext>
           </a:extLst>
         </p:spPr>
@@ -5449,7 +5453,7 @@
               </a14:hiddenLine>
             </a:ext>
             <a:ext uri="{FAA26D3D-D897-4be2-8F04-BA451C77F1D7}">
-              <ma14:placeholderFlag xmlns="" xmlns:ma14="http://schemas.microsoft.com/office/mac/drawingml/2011/main" val="1"/>
+              <ma14:placeholderFlag xmlns:ma14="http://schemas.microsoft.com/office/mac/drawingml/2011/main" xmlns="" val="1"/>
             </a:ext>
           </a:extLst>
         </p:spPr>
@@ -6842,7 +6846,7 @@
               </a14:hiddenLine>
             </a:ext>
             <a:ext uri="{FAA26D3D-D897-4be2-8F04-BA451C77F1D7}">
-              <ma14:placeholderFlag xmlns="" xmlns:ma14="http://schemas.microsoft.com/office/mac/drawingml/2011/main" val="1"/>
+              <ma14:placeholderFlag xmlns:ma14="http://schemas.microsoft.com/office/mac/drawingml/2011/main" xmlns="" val="1"/>
             </a:ext>
           </a:extLst>
         </p:spPr>
@@ -7918,107 +7922,71 @@
       </p:grpSpPr>
       <p:sp>
         <p:nvSpPr>
-          <p:cNvPr id="3" name="TextBox 2">
+          <p:cNvPr id="2" name="Title 1">
             <a:extLst>
               <a:ext uri="{FF2B5EF4-FFF2-40B4-BE49-F238E27FC236}">
-                <a16:creationId xmlns:a16="http://schemas.microsoft.com/office/drawing/2014/main" id="{CADFA202-9D74-9341-BDF7-AB221A993826}"/>
+                <a16:creationId xmlns:a16="http://schemas.microsoft.com/office/drawing/2014/main" id="{4CE4730D-A1A9-C742-94C3-5A486F425197}"/>
               </a:ext>
             </a:extLst>
           </p:cNvPr>
-          <p:cNvSpPr txBox="1"/>
-          <p:nvPr/>
+          <p:cNvSpPr>
+            <a:spLocks noGrp="1"/>
+          </p:cNvSpPr>
+          <p:nvPr>
+            <p:ph type="ctrTitle"/>
+          </p:nvPr>
         </p:nvSpPr>
         <p:spPr>
           <a:xfrm>
-            <a:off x="492981" y="604298"/>
-            <a:ext cx="7935402" cy="3139321"/>
+            <a:off x="678818" y="573503"/>
+            <a:ext cx="7598042" cy="794121"/>
+          </a:xfrm>
+        </p:spPr>
+        <p:txBody>
+          <a:bodyPr/>
+          <a:lstStyle/>
+          <a:p>
+            <a:r>
+              <a:rPr lang="en-US" sz="1600" dirty="0"/>
+              <a:t>Warning! The Chaos Monkey May Strike Overnight at Anytime! Please ensure you Commit your code the end of day!</a:t>
+            </a:r>
+          </a:p>
+        </p:txBody>
+      </p:sp>
+      <p:pic>
+        <p:nvPicPr>
+          <p:cNvPr id="7" name="Picture 6">
+            <a:extLst>
+              <a:ext uri="{FF2B5EF4-FFF2-40B4-BE49-F238E27FC236}">
+                <a16:creationId xmlns:a16="http://schemas.microsoft.com/office/drawing/2014/main" id="{2F955241-13AF-EE40-96E4-2FA3163579F8}"/>
+              </a:ext>
+            </a:extLst>
+          </p:cNvPr>
+          <p:cNvPicPr>
+            <a:picLocks noChangeAspect="1"/>
+          </p:cNvPicPr>
+          <p:nvPr/>
+        </p:nvPicPr>
+        <p:blipFill>
+          <a:blip r:embed="rId2"/>
+          <a:stretch>
+            <a:fillRect/>
+          </a:stretch>
+        </p:blipFill>
+        <p:spPr>
+          <a:xfrm>
+            <a:off x="2769866" y="1431235"/>
+            <a:ext cx="3719676" cy="3426018"/>
           </a:xfrm>
           <a:prstGeom prst="rect">
             <a:avLst/>
           </a:prstGeom>
-          <a:noFill/>
         </p:spPr>
-        <p:txBody>
-          <a:bodyPr wrap="square" rtlCol="0">
-            <a:spAutoFit/>
-          </a:bodyPr>
-          <a:lstStyle/>
-          <a:p>
-            <a:r>
-              <a:rPr lang="en-US" dirty="0">
-                <a:latin typeface="+mn-lt"/>
-              </a:rPr>
-              <a:t>10 min Bio Brake </a:t>
-            </a:r>
-          </a:p>
-          <a:p>
-            <a:endParaRPr lang="en-US" dirty="0">
-              <a:latin typeface="+mn-lt"/>
-            </a:endParaRPr>
-          </a:p>
-          <a:p>
-            <a:r>
-              <a:rPr lang="en-US" dirty="0">
-                <a:latin typeface="+mn-lt"/>
-              </a:rPr>
-              <a:t>Instructor will share screen and demonstrate hands on activity (10 min)</a:t>
-            </a:r>
-          </a:p>
-          <a:p>
-            <a:endParaRPr lang="en-US" dirty="0">
-              <a:latin typeface="+mn-lt"/>
-            </a:endParaRPr>
-          </a:p>
-          <a:p>
-            <a:r>
-              <a:rPr lang="en-US" dirty="0">
-                <a:latin typeface="+mn-lt"/>
-              </a:rPr>
-              <a:t>Lab Users will Have 20 minutes to Complete Phase 1 of Lab</a:t>
-            </a:r>
-          </a:p>
-          <a:p>
-            <a:endParaRPr lang="en-US" dirty="0">
-              <a:latin typeface="+mn-lt"/>
-            </a:endParaRPr>
-          </a:p>
-          <a:p>
-            <a:r>
-              <a:rPr lang="en-US" dirty="0">
-                <a:latin typeface="+mn-lt"/>
-              </a:rPr>
-              <a:t>Ready….Set…..Go!!!!!!!</a:t>
-            </a:r>
-          </a:p>
-          <a:p>
-            <a:endParaRPr lang="en-US" dirty="0">
-              <a:latin typeface="+mn-lt"/>
-            </a:endParaRPr>
-          </a:p>
-          <a:p>
-            <a:r>
-              <a:rPr lang="en-US" dirty="0">
-                <a:latin typeface="+mn-lt"/>
-              </a:rPr>
-              <a:t>Good Luck!!!!!!!</a:t>
-            </a:r>
-          </a:p>
-          <a:p>
-            <a:endParaRPr lang="en-US" dirty="0">
-              <a:latin typeface="+mn-lt"/>
-            </a:endParaRPr>
-          </a:p>
-          <a:p>
-            <a:endParaRPr lang="en-US" dirty="0">
-              <a:latin typeface="+mn-lt"/>
-            </a:endParaRPr>
-          </a:p>
-        </p:txBody>
-      </p:sp>
+      </p:pic>
     </p:spTree>
     <p:extLst>
       <p:ext uri="{BB962C8B-B14F-4D97-AF65-F5344CB8AC3E}">
-        <p14:creationId xmlns:p14="http://schemas.microsoft.com/office/powerpoint/2010/main" val="3741517529"/>
+        <p14:creationId xmlns:p14="http://schemas.microsoft.com/office/powerpoint/2010/main" val="3542388819"/>
       </p:ext>
     </p:extLst>
   </p:cSld>
@@ -8063,6 +8031,329 @@
         </p:nvSpPr>
         <p:spPr>
           <a:xfrm>
+            <a:off x="416424" y="310102"/>
+            <a:ext cx="8544695" cy="4333460"/>
+          </a:xfrm>
+        </p:spPr>
+        <p:txBody>
+          <a:bodyPr/>
+          <a:lstStyle/>
+          <a:p>
+            <a:r>
+              <a:rPr lang="en-US" sz="1600" dirty="0"/>
+              <a:t>Lab Instruction: Phase 1 Part 1 (20-30 min)</a:t>
+            </a:r>
+            <a:br>
+              <a:rPr lang="en-US" sz="1600" dirty="0"/>
+            </a:br>
+            <a:r>
+              <a:rPr lang="en-US" sz="1600" dirty="0"/>
+              <a:t>Clone Repo</a:t>
+            </a:r>
+            <a:br>
+              <a:rPr lang="en-US" sz="1600" dirty="0"/>
+            </a:br>
+            <a:r>
+              <a:rPr lang="en-US" sz="1600" dirty="0"/>
+              <a:t>Checkout Branch &amp; Fetch Updates</a:t>
+            </a:r>
+            <a:br>
+              <a:rPr lang="en-US" sz="1600" dirty="0"/>
+            </a:br>
+            <a:r>
+              <a:rPr lang="en-US" sz="1600" dirty="0"/>
+              <a:t>Verify your </a:t>
+            </a:r>
+            <a:r>
+              <a:rPr lang="en-US" sz="1600" dirty="0" err="1"/>
+              <a:t>lab_vars.py</a:t>
+            </a:r>
+            <a:r>
+              <a:rPr lang="en-US" sz="1600" dirty="0"/>
+              <a:t> file, update your lab-</a:t>
+            </a:r>
+            <a:r>
+              <a:rPr lang="en-US" sz="1600" dirty="0" err="1"/>
+              <a:t>note.txt</a:t>
+            </a:r>
+            <a:br>
+              <a:rPr lang="en-US" sz="1600" dirty="0"/>
+            </a:br>
+            <a:r>
+              <a:rPr lang="en-US" sz="1600" dirty="0"/>
+              <a:t>Git Add, Git Commit, Git Push</a:t>
+            </a:r>
+            <a:br>
+              <a:rPr lang="en-US" sz="1600" dirty="0"/>
+            </a:br>
+            <a:r>
+              <a:rPr lang="en-US" sz="1600" dirty="0"/>
+              <a:t>Logon to Pipeline</a:t>
+            </a:r>
+            <a:br>
+              <a:rPr lang="en-US" sz="1600" dirty="0"/>
+            </a:br>
+            <a:r>
+              <a:rPr lang="en-US" sz="1600" dirty="0"/>
+              <a:t>Deploy Pipeline – Capture your SSH Key</a:t>
+            </a:r>
+            <a:br>
+              <a:rPr lang="en-US" sz="1600" dirty="0"/>
+            </a:br>
+            <a:r>
+              <a:rPr lang="en-US" sz="1600" dirty="0"/>
+              <a:t>SSH To Test Linux, CSR</a:t>
+            </a:r>
+            <a:br>
+              <a:rPr lang="en-US" sz="1600" dirty="0"/>
+            </a:br>
+            <a:r>
+              <a:rPr lang="en-US" sz="1600" dirty="0"/>
+              <a:t>Wait for Instructor Before Configuring CSR</a:t>
+            </a:r>
+            <a:br>
+              <a:rPr lang="en-US" sz="1600" dirty="0"/>
+            </a:br>
+            <a:br>
+              <a:rPr lang="en-US" sz="1600" dirty="0"/>
+            </a:br>
+            <a:r>
+              <a:rPr lang="en-US" sz="1600" dirty="0"/>
+              <a:t>Lab Instruction Phase 1 Part 2 (10-20 min)</a:t>
+            </a:r>
+            <a:br>
+              <a:rPr lang="en-US" sz="1600" dirty="0"/>
+            </a:br>
+            <a:r>
+              <a:rPr lang="en-US" sz="1600" dirty="0"/>
+              <a:t>CSR – check 2</a:t>
+            </a:r>
+            <a:r>
+              <a:rPr lang="en-US" sz="1600" baseline="30000" dirty="0"/>
+              <a:t>nd</a:t>
+            </a:r>
+            <a:r>
+              <a:rPr lang="en-US" sz="1600" dirty="0"/>
+              <a:t> NIC </a:t>
+            </a:r>
+            <a:br>
+              <a:rPr lang="en-US" sz="1600" dirty="0"/>
+            </a:br>
+            <a:r>
+              <a:rPr lang="en-US" sz="1600" dirty="0"/>
+              <a:t>Run the Configure CSR Task to Configure your CSR</a:t>
+            </a:r>
+            <a:br>
+              <a:rPr lang="en-US" sz="1600" dirty="0"/>
+            </a:br>
+            <a:r>
+              <a:rPr lang="en-US" sz="1600" dirty="0"/>
+              <a:t>Verify that traffic from Linux User01 is being routed outside CSR</a:t>
+            </a:r>
+            <a:br>
+              <a:rPr lang="en-US" sz="1600" dirty="0"/>
+            </a:br>
+            <a:r>
+              <a:rPr lang="en-US" sz="1600" dirty="0"/>
+              <a:t>Deploy Thousand Eyes Agent on Linux VMs</a:t>
+            </a:r>
+            <a:br>
+              <a:rPr lang="en-US" sz="1600" dirty="0"/>
+            </a:br>
+            <a:r>
+              <a:rPr lang="en-US" sz="1600" dirty="0"/>
+              <a:t>Logon to Thousand Eyes Console</a:t>
+            </a:r>
+            <a:br>
+              <a:rPr lang="en-US" sz="1600" dirty="0"/>
+            </a:br>
+            <a:br>
+              <a:rPr lang="en-US" sz="1600" dirty="0"/>
+            </a:br>
+            <a:r>
+              <a:rPr lang="en-US" sz="1600" dirty="0"/>
+              <a:t>Students Commit Code to Branch for Overnight Marking. Code Passing Tests will be added to Student Pipeline. At End of Training Lab on Final Day, Students will be challenged to rebuild their lab 100% from their Code Branch.</a:t>
+            </a:r>
+          </a:p>
+        </p:txBody>
+      </p:sp>
+    </p:spTree>
+    <p:extLst>
+      <p:ext uri="{BB962C8B-B14F-4D97-AF65-F5344CB8AC3E}">
+        <p14:creationId xmlns:p14="http://schemas.microsoft.com/office/powerpoint/2010/main" val="1867570614"/>
+      </p:ext>
+    </p:extLst>
+  </p:cSld>
+  <p:clrMapOvr>
+    <a:masterClrMapping/>
+  </p:clrMapOvr>
+</p:sld>
+</file>
+
+<file path=ppt/slides/slide12.xml><?xml version="1.0" encoding="utf-8"?>
+<p:sld xmlns:a="http://schemas.openxmlformats.org/drawingml/2006/main" xmlns:r="http://schemas.openxmlformats.org/officeDocument/2006/relationships" xmlns:p="http://schemas.openxmlformats.org/presentationml/2006/main">
+  <p:cSld>
+    <p:spTree>
+      <p:nvGrpSpPr>
+        <p:cNvPr id="1" name=""/>
+        <p:cNvGrpSpPr/>
+        <p:nvPr/>
+      </p:nvGrpSpPr>
+      <p:grpSpPr>
+        <a:xfrm>
+          <a:off x="0" y="0"/>
+          <a:ext cx="0" cy="0"/>
+          <a:chOff x="0" y="0"/>
+          <a:chExt cx="0" cy="0"/>
+        </a:xfrm>
+      </p:grpSpPr>
+      <p:sp>
+        <p:nvSpPr>
+          <p:cNvPr id="3" name="TextBox 2">
+            <a:extLst>
+              <a:ext uri="{FF2B5EF4-FFF2-40B4-BE49-F238E27FC236}">
+                <a16:creationId xmlns:a16="http://schemas.microsoft.com/office/drawing/2014/main" id="{CADFA202-9D74-9341-BDF7-AB221A993826}"/>
+              </a:ext>
+            </a:extLst>
+          </p:cNvPr>
+          <p:cNvSpPr txBox="1"/>
+          <p:nvPr/>
+        </p:nvSpPr>
+        <p:spPr>
+          <a:xfrm>
+            <a:off x="492981" y="604298"/>
+            <a:ext cx="7935402" cy="3139321"/>
+          </a:xfrm>
+          <a:prstGeom prst="rect">
+            <a:avLst/>
+          </a:prstGeom>
+          <a:noFill/>
+        </p:spPr>
+        <p:txBody>
+          <a:bodyPr wrap="square" rtlCol="0">
+            <a:spAutoFit/>
+          </a:bodyPr>
+          <a:lstStyle/>
+          <a:p>
+            <a:r>
+              <a:rPr lang="en-US" dirty="0">
+                <a:latin typeface="+mn-lt"/>
+              </a:rPr>
+              <a:t>10 min Bio Brake </a:t>
+            </a:r>
+          </a:p>
+          <a:p>
+            <a:endParaRPr lang="en-US" dirty="0">
+              <a:latin typeface="+mn-lt"/>
+            </a:endParaRPr>
+          </a:p>
+          <a:p>
+            <a:r>
+              <a:rPr lang="en-US" dirty="0">
+                <a:latin typeface="+mn-lt"/>
+              </a:rPr>
+              <a:t>Instructor will share screen and demonstrate hands on activity (10 min)</a:t>
+            </a:r>
+          </a:p>
+          <a:p>
+            <a:endParaRPr lang="en-US" dirty="0">
+              <a:latin typeface="+mn-lt"/>
+            </a:endParaRPr>
+          </a:p>
+          <a:p>
+            <a:r>
+              <a:rPr lang="en-US" dirty="0">
+                <a:latin typeface="+mn-lt"/>
+              </a:rPr>
+              <a:t>Lab Users will Have 20 minutes to Complete Phase 1 of Lab</a:t>
+            </a:r>
+          </a:p>
+          <a:p>
+            <a:endParaRPr lang="en-US" dirty="0">
+              <a:latin typeface="+mn-lt"/>
+            </a:endParaRPr>
+          </a:p>
+          <a:p>
+            <a:r>
+              <a:rPr lang="en-US" dirty="0">
+                <a:latin typeface="+mn-lt"/>
+              </a:rPr>
+              <a:t>Ready….Set…..Go!!!!!!!</a:t>
+            </a:r>
+          </a:p>
+          <a:p>
+            <a:endParaRPr lang="en-US" dirty="0">
+              <a:latin typeface="+mn-lt"/>
+            </a:endParaRPr>
+          </a:p>
+          <a:p>
+            <a:r>
+              <a:rPr lang="en-US" dirty="0">
+                <a:latin typeface="+mn-lt"/>
+              </a:rPr>
+              <a:t>Good Luck!!!!!!!</a:t>
+            </a:r>
+          </a:p>
+          <a:p>
+            <a:endParaRPr lang="en-US" dirty="0">
+              <a:latin typeface="+mn-lt"/>
+            </a:endParaRPr>
+          </a:p>
+          <a:p>
+            <a:endParaRPr lang="en-US" dirty="0">
+              <a:latin typeface="+mn-lt"/>
+            </a:endParaRPr>
+          </a:p>
+        </p:txBody>
+      </p:sp>
+    </p:spTree>
+    <p:extLst>
+      <p:ext uri="{BB962C8B-B14F-4D97-AF65-F5344CB8AC3E}">
+        <p14:creationId xmlns:p14="http://schemas.microsoft.com/office/powerpoint/2010/main" val="3741517529"/>
+      </p:ext>
+    </p:extLst>
+  </p:cSld>
+  <p:clrMapOvr>
+    <a:masterClrMapping/>
+  </p:clrMapOvr>
+</p:sld>
+</file>
+
+<file path=ppt/slides/slide13.xml><?xml version="1.0" encoding="utf-8"?>
+<p:sld xmlns:a="http://schemas.openxmlformats.org/drawingml/2006/main" xmlns:r="http://schemas.openxmlformats.org/officeDocument/2006/relationships" xmlns:p="http://schemas.openxmlformats.org/presentationml/2006/main">
+  <p:cSld>
+    <p:spTree>
+      <p:nvGrpSpPr>
+        <p:cNvPr id="1" name=""/>
+        <p:cNvGrpSpPr/>
+        <p:nvPr/>
+      </p:nvGrpSpPr>
+      <p:grpSpPr>
+        <a:xfrm>
+          <a:off x="0" y="0"/>
+          <a:ext cx="0" cy="0"/>
+          <a:chOff x="0" y="0"/>
+          <a:chExt cx="0" cy="0"/>
+        </a:xfrm>
+      </p:grpSpPr>
+      <p:sp>
+        <p:nvSpPr>
+          <p:cNvPr id="2" name="Title 1">
+            <a:extLst>
+              <a:ext uri="{FF2B5EF4-FFF2-40B4-BE49-F238E27FC236}">
+                <a16:creationId xmlns:a16="http://schemas.microsoft.com/office/drawing/2014/main" id="{51E57940-3F1A-864D-9F46-D49FE377BAC4}"/>
+              </a:ext>
+            </a:extLst>
+          </p:cNvPr>
+          <p:cNvSpPr>
+            <a:spLocks noGrp="1"/>
+          </p:cNvSpPr>
+          <p:nvPr>
+            <p:ph type="ctrTitle"/>
+          </p:nvPr>
+        </p:nvSpPr>
+        <p:spPr>
+          <a:xfrm>
             <a:off x="416424" y="477078"/>
             <a:ext cx="8544695" cy="4126727"/>
           </a:xfrm>
@@ -8206,7 +8497,7 @@
 </p:sld>
 </file>
 
-<file path=ppt/slides/slide12.xml><?xml version="1.0" encoding="utf-8"?>
+<file path=ppt/slides/slide14.xml><?xml version="1.0" encoding="utf-8"?>
 <p:sld xmlns:a="http://schemas.openxmlformats.org/drawingml/2006/main" xmlns:r="http://schemas.openxmlformats.org/officeDocument/2006/relationships" xmlns:p="http://schemas.openxmlformats.org/presentationml/2006/main">
   <p:cSld>
     <p:spTree>
@@ -8482,7 +8773,7 @@
 </p:sld>
 </file>
 
-<file path=ppt/slides/slide13.xml><?xml version="1.0" encoding="utf-8"?>
+<file path=ppt/slides/slide15.xml><?xml version="1.0" encoding="utf-8"?>
 <p:sld xmlns:a="http://schemas.openxmlformats.org/drawingml/2006/main" xmlns:r="http://schemas.openxmlformats.org/officeDocument/2006/relationships" xmlns:p="http://schemas.openxmlformats.org/presentationml/2006/main">
   <p:cSld>
     <p:spTree>
@@ -8767,7 +9058,7 @@
 </p:sld>
 </file>
 
-<file path=ppt/slides/slide14.xml><?xml version="1.0" encoding="utf-8"?>
+<file path=ppt/slides/slide16.xml><?xml version="1.0" encoding="utf-8"?>
 <p:sld xmlns:a="http://schemas.openxmlformats.org/drawingml/2006/main" xmlns:r="http://schemas.openxmlformats.org/officeDocument/2006/relationships" xmlns:p="http://schemas.openxmlformats.org/presentationml/2006/main">
   <p:cSld>
     <p:spTree>
@@ -10065,7 +10356,7 @@
 </p:sld>
 </file>
 
-<file path=ppt/slides/slide15.xml><?xml version="1.0" encoding="utf-8"?>
+<file path=ppt/slides/slide17.xml><?xml version="1.0" encoding="utf-8"?>
 <p:sld xmlns:a="http://schemas.openxmlformats.org/drawingml/2006/main" xmlns:r="http://schemas.openxmlformats.org/officeDocument/2006/relationships" xmlns:p="http://schemas.openxmlformats.org/presentationml/2006/main">
   <p:cSld>
     <p:spTree>
@@ -11011,6 +11302,609 @@
 </file>
 
 <file path=ppt/slides/slide3.xml><?xml version="1.0" encoding="utf-8"?>
+<p:sld xmlns:a="http://schemas.openxmlformats.org/drawingml/2006/main" xmlns:r="http://schemas.openxmlformats.org/officeDocument/2006/relationships" xmlns:p="http://schemas.openxmlformats.org/presentationml/2006/main">
+  <p:cSld>
+    <p:spTree>
+      <p:nvGrpSpPr>
+        <p:cNvPr id="1" name=""/>
+        <p:cNvGrpSpPr/>
+        <p:nvPr/>
+      </p:nvGrpSpPr>
+      <p:grpSpPr>
+        <a:xfrm>
+          <a:off x="0" y="0"/>
+          <a:ext cx="0" cy="0"/>
+          <a:chOff x="0" y="0"/>
+          <a:chExt cx="0" cy="0"/>
+        </a:xfrm>
+      </p:grpSpPr>
+      <p:sp>
+        <p:nvSpPr>
+          <p:cNvPr id="2" name="Title 1">
+            <a:extLst>
+              <a:ext uri="{FF2B5EF4-FFF2-40B4-BE49-F238E27FC236}">
+                <a16:creationId xmlns:a16="http://schemas.microsoft.com/office/drawing/2014/main" id="{A11DE5CD-A651-2041-9C49-27DD5459B2F3}"/>
+              </a:ext>
+            </a:extLst>
+          </p:cNvPr>
+          <p:cNvSpPr>
+            <a:spLocks noGrp="1"/>
+          </p:cNvSpPr>
+          <p:nvPr>
+            <p:ph type="ctrTitle"/>
+          </p:nvPr>
+        </p:nvSpPr>
+        <p:spPr>
+          <a:xfrm>
+            <a:off x="421968" y="185077"/>
+            <a:ext cx="8300063" cy="652134"/>
+          </a:xfrm>
+        </p:spPr>
+        <p:txBody>
+          <a:bodyPr/>
+          <a:lstStyle/>
+          <a:p>
+            <a:r>
+              <a:rPr lang="en-US" sz="3000" dirty="0"/>
+              <a:t>Hour 1 Thousand Eyes API and Warm Up </a:t>
+            </a:r>
+          </a:p>
+        </p:txBody>
+      </p:sp>
+      <p:sp>
+        <p:nvSpPr>
+          <p:cNvPr id="4" name="TextBox 3">
+            <a:extLst>
+              <a:ext uri="{FF2B5EF4-FFF2-40B4-BE49-F238E27FC236}">
+                <a16:creationId xmlns:a16="http://schemas.microsoft.com/office/drawing/2014/main" id="{E23659DD-0557-CB47-A4A2-6A851B287CA5}"/>
+              </a:ext>
+            </a:extLst>
+          </p:cNvPr>
+          <p:cNvSpPr txBox="1"/>
+          <p:nvPr/>
+        </p:nvSpPr>
+        <p:spPr>
+          <a:xfrm>
+            <a:off x="421968" y="920405"/>
+            <a:ext cx="8045533" cy="307777"/>
+          </a:xfrm>
+          <a:prstGeom prst="rect">
+            <a:avLst/>
+          </a:prstGeom>
+          <a:noFill/>
+        </p:spPr>
+        <p:txBody>
+          <a:bodyPr wrap="square" rtlCol="0">
+            <a:spAutoFit/>
+          </a:bodyPr>
+          <a:lstStyle/>
+          <a:p>
+            <a:r>
+              <a:rPr lang="en-US" sz="1400" dirty="0">
+                <a:latin typeface="+mn-lt"/>
+              </a:rPr>
+              <a:t>By the end of Module 1 you will have learned and had hands on experience for the below:</a:t>
+            </a:r>
+          </a:p>
+        </p:txBody>
+      </p:sp>
+      <p:sp>
+        <p:nvSpPr>
+          <p:cNvPr id="5" name="TextBox 4">
+            <a:extLst>
+              <a:ext uri="{FF2B5EF4-FFF2-40B4-BE49-F238E27FC236}">
+                <a16:creationId xmlns:a16="http://schemas.microsoft.com/office/drawing/2014/main" id="{1C1A27B6-6F33-C147-BEF8-F6359A8CA8D6}"/>
+              </a:ext>
+            </a:extLst>
+          </p:cNvPr>
+          <p:cNvSpPr txBox="1"/>
+          <p:nvPr/>
+        </p:nvSpPr>
+        <p:spPr>
+          <a:xfrm>
+            <a:off x="523105" y="1228182"/>
+            <a:ext cx="7843258" cy="3785652"/>
+          </a:xfrm>
+          <a:prstGeom prst="rect">
+            <a:avLst/>
+          </a:prstGeom>
+          <a:noFill/>
+        </p:spPr>
+        <p:txBody>
+          <a:bodyPr wrap="square" rtlCol="0">
+            <a:spAutoFit/>
+          </a:bodyPr>
+          <a:lstStyle/>
+          <a:p>
+            <a:pPr marL="171450" indent="-171450">
+              <a:buFont typeface="Wingdings" pitchFamily="2" charset="2"/>
+              <a:buChar char="ü"/>
+            </a:pPr>
+            <a:r>
+              <a:rPr lang="en-US" sz="1000" dirty="0">
+                <a:latin typeface="+mn-lt"/>
+              </a:rPr>
+              <a:t>How to use a Vault(</a:t>
+            </a:r>
+            <a:r>
+              <a:rPr lang="en-US" sz="1000" dirty="0" err="1"/>
+              <a:t>Hashicorp</a:t>
+            </a:r>
+            <a:r>
+              <a:rPr lang="en-US" sz="1000" dirty="0"/>
+              <a:t>)</a:t>
+            </a:r>
+            <a:r>
+              <a:rPr lang="en-US" sz="1000" dirty="0">
+                <a:latin typeface="+mn-lt"/>
+              </a:rPr>
+              <a:t> to be an </a:t>
+            </a:r>
+            <a:r>
+              <a:rPr lang="en-US" sz="1000" dirty="0" err="1">
+                <a:latin typeface="+mn-lt"/>
+              </a:rPr>
+              <a:t>artifactory</a:t>
+            </a:r>
+            <a:r>
+              <a:rPr lang="en-US" sz="1000" dirty="0">
+                <a:latin typeface="+mn-lt"/>
+              </a:rPr>
+              <a:t> for all your pipeline(Concourse) credentials, keys, oath tokens, secrets, config files etc. in order to develop your code rapidly using ephemeral build containers instead of developing code locally</a:t>
+            </a:r>
+          </a:p>
+          <a:p>
+            <a:pPr marL="171450" indent="-171450">
+              <a:buFont typeface="Wingdings" pitchFamily="2" charset="2"/>
+              <a:buChar char="ü"/>
+            </a:pPr>
+            <a:r>
+              <a:rPr lang="en-US" sz="1000" dirty="0">
+                <a:latin typeface="+mn-lt"/>
+              </a:rPr>
+              <a:t>How to run your code in a container using Concourse Automation Tasks(the basic unit of a pipeline)</a:t>
+            </a:r>
+          </a:p>
+          <a:p>
+            <a:pPr marL="171450" indent="-171450">
+              <a:buFont typeface="Wingdings" pitchFamily="2" charset="2"/>
+              <a:buChar char="ü"/>
+            </a:pPr>
+            <a:r>
+              <a:rPr lang="en-US" sz="1000" dirty="0">
+                <a:latin typeface="+mn-lt"/>
+              </a:rPr>
+              <a:t>How to Automate using Concourse CI via the TE API: </a:t>
+            </a:r>
+          </a:p>
+          <a:p>
+            <a:pPr marL="628650" lvl="1" indent="-171450">
+              <a:buFont typeface="Wingdings" pitchFamily="2" charset="2"/>
+              <a:buChar char="ü"/>
+            </a:pPr>
+            <a:r>
+              <a:rPr lang="en-US" sz="1000" dirty="0">
+                <a:latin typeface="+mn-lt"/>
+              </a:rPr>
+              <a:t>High level over-view of Thousand Eyes GUI – enough to set up your API key and understand what function agents and tests perform</a:t>
+            </a:r>
+          </a:p>
+          <a:p>
+            <a:pPr marL="628650" lvl="1" indent="-171450">
+              <a:buFont typeface="Wingdings" pitchFamily="2" charset="2"/>
+              <a:buChar char="ü"/>
+            </a:pPr>
+            <a:r>
+              <a:rPr lang="en-US" sz="1000" dirty="0">
+                <a:latin typeface="+mn-lt"/>
+              </a:rPr>
+              <a:t>Automatically and programmatically authenticate via code to the TE API</a:t>
+            </a:r>
+          </a:p>
+          <a:p>
+            <a:pPr marL="628650" lvl="1" indent="-171450">
+              <a:buFont typeface="Wingdings" pitchFamily="2" charset="2"/>
+              <a:buChar char="ü"/>
+            </a:pPr>
+            <a:r>
+              <a:rPr lang="en-US" sz="1000" dirty="0">
+                <a:latin typeface="+mn-lt"/>
+              </a:rPr>
+              <a:t>Automation of creating a TE test and adding al the enterprise agents to that test</a:t>
+            </a:r>
+          </a:p>
+          <a:p>
+            <a:pPr marL="628650" lvl="1" indent="-171450">
+              <a:buFont typeface="Wingdings" pitchFamily="2" charset="2"/>
+              <a:buChar char="ü"/>
+            </a:pPr>
+            <a:r>
+              <a:rPr lang="en-US" sz="1000" dirty="0">
+                <a:latin typeface="+mn-lt"/>
+              </a:rPr>
+              <a:t>Automation of updating the metadata for the test</a:t>
+            </a:r>
+          </a:p>
+          <a:p>
+            <a:pPr marL="628650" lvl="1" indent="-171450">
+              <a:buFont typeface="Wingdings" pitchFamily="2" charset="2"/>
+              <a:buChar char="ü"/>
+            </a:pPr>
+            <a:r>
+              <a:rPr lang="en-US" sz="1000" dirty="0">
+                <a:latin typeface="+mn-lt"/>
+              </a:rPr>
+              <a:t>Compare manual way of developing code to automated way using ephemeral build containers (concourse)</a:t>
+            </a:r>
+          </a:p>
+          <a:p>
+            <a:pPr marL="171450" indent="-171450">
+              <a:buFont typeface="Wingdings" pitchFamily="2" charset="2"/>
+              <a:buChar char="ü"/>
+            </a:pPr>
+            <a:endParaRPr lang="en-US" sz="1000" dirty="0">
+              <a:latin typeface="+mn-lt"/>
+            </a:endParaRPr>
+          </a:p>
+          <a:p>
+            <a:pPr marL="171450" indent="-171450">
+              <a:buFont typeface="Wingdings" pitchFamily="2" charset="2"/>
+              <a:buChar char="ü"/>
+            </a:pPr>
+            <a:r>
+              <a:rPr lang="en-US" sz="1000" dirty="0">
+                <a:latin typeface="+mn-lt"/>
+              </a:rPr>
+              <a:t>Each Participant will:</a:t>
+            </a:r>
+          </a:p>
+          <a:p>
+            <a:pPr marL="228600" indent="-228600">
+              <a:buFont typeface="+mj-lt"/>
+              <a:buAutoNum type="arabicPeriod"/>
+            </a:pPr>
+            <a:endParaRPr lang="en-US" sz="1000" dirty="0">
+              <a:latin typeface="+mn-lt"/>
+            </a:endParaRPr>
+          </a:p>
+          <a:p>
+            <a:pPr marL="685800" lvl="1" indent="-228600">
+              <a:buFont typeface="+mj-lt"/>
+              <a:buAutoNum type="arabicPeriod"/>
+            </a:pPr>
+            <a:r>
+              <a:rPr lang="en-US" sz="1000" dirty="0">
+                <a:latin typeface="+mn-lt"/>
+              </a:rPr>
+              <a:t>Install git - </a:t>
+            </a:r>
+            <a:r>
+              <a:rPr lang="en-US" sz="1000" b="1" dirty="0">
+                <a:latin typeface="+mn-lt"/>
+              </a:rPr>
+              <a:t>https://git-</a:t>
+            </a:r>
+            <a:r>
+              <a:rPr lang="en-US" sz="1000" b="1" dirty="0" err="1">
+                <a:latin typeface="+mn-lt"/>
+              </a:rPr>
+              <a:t>scm.com</a:t>
+            </a:r>
+            <a:r>
+              <a:rPr lang="en-US" sz="1000" b="1" dirty="0">
+                <a:latin typeface="+mn-lt"/>
+              </a:rPr>
+              <a:t>/book/</a:t>
+            </a:r>
+            <a:r>
+              <a:rPr lang="en-US" sz="1000" b="1" dirty="0" err="1">
+                <a:latin typeface="+mn-lt"/>
+              </a:rPr>
+              <a:t>en</a:t>
+            </a:r>
+            <a:r>
+              <a:rPr lang="en-US" sz="1000" b="1" dirty="0">
+                <a:latin typeface="+mn-lt"/>
+              </a:rPr>
+              <a:t>/v2/Getting-Started-Installing-Git</a:t>
+            </a:r>
+          </a:p>
+          <a:p>
+            <a:pPr marL="685800" lvl="1" indent="-228600">
+              <a:buFont typeface="+mj-lt"/>
+              <a:buAutoNum type="arabicPeriod"/>
+            </a:pPr>
+            <a:r>
+              <a:rPr lang="en-US" sz="1000" dirty="0">
+                <a:latin typeface="+mn-lt"/>
+              </a:rPr>
+              <a:t>Clone the repo – </a:t>
+            </a:r>
+          </a:p>
+          <a:p>
+            <a:pPr lvl="1"/>
+            <a:r>
+              <a:rPr lang="en-US" sz="1000" b="1" dirty="0">
+                <a:latin typeface="+mn-lt"/>
+              </a:rPr>
+              <a:t>$ git clone https://</a:t>
+            </a:r>
+            <a:r>
+              <a:rPr lang="en-US" sz="1000" b="1" dirty="0" err="1">
+                <a:latin typeface="+mn-lt"/>
+              </a:rPr>
+              <a:t>github.com</a:t>
+            </a:r>
+            <a:r>
+              <a:rPr lang="en-US" sz="1000" b="1" dirty="0">
+                <a:latin typeface="+mn-lt"/>
+              </a:rPr>
+              <a:t>/</a:t>
+            </a:r>
+            <a:r>
+              <a:rPr lang="en-US" sz="1000" b="1" dirty="0" err="1">
+                <a:latin typeface="+mn-lt"/>
+              </a:rPr>
+              <a:t>devops-ontap</a:t>
+            </a:r>
+            <a:r>
+              <a:rPr lang="en-US" sz="1000" b="1" dirty="0">
+                <a:latin typeface="+mn-lt"/>
+              </a:rPr>
+              <a:t>/cisco-</a:t>
+            </a:r>
+            <a:r>
+              <a:rPr lang="en-US" sz="1000" b="1" dirty="0" err="1">
+                <a:latin typeface="+mn-lt"/>
+              </a:rPr>
+              <a:t>fso</a:t>
+            </a:r>
+            <a:r>
+              <a:rPr lang="en-US" sz="1000" b="1" dirty="0">
+                <a:latin typeface="+mn-lt"/>
+              </a:rPr>
+              <a:t>-labs</a:t>
+            </a:r>
+          </a:p>
+          <a:p>
+            <a:pPr marL="685800" lvl="1" indent="-228600">
+              <a:buFont typeface="+mj-lt"/>
+              <a:buAutoNum type="arabicPeriod"/>
+            </a:pPr>
+            <a:r>
+              <a:rPr lang="en-US" sz="1000" dirty="0">
+                <a:latin typeface="+mn-lt"/>
+              </a:rPr>
+              <a:t>Checkout a personal branch </a:t>
+            </a:r>
+          </a:p>
+          <a:p>
+            <a:pPr lvl="1"/>
+            <a:r>
+              <a:rPr lang="en-US" sz="1000" b="1" dirty="0">
+                <a:latin typeface="+mn-lt"/>
+              </a:rPr>
+              <a:t>$git checkout –b your name 	</a:t>
+            </a:r>
+            <a:r>
+              <a:rPr lang="en-US" sz="1000" b="1" dirty="0" err="1">
+                <a:latin typeface="+mn-lt"/>
+              </a:rPr>
+              <a:t>firstname_lastname</a:t>
+            </a:r>
+            <a:endParaRPr lang="en-US" sz="1000" b="1" dirty="0">
+              <a:latin typeface="+mn-lt"/>
+            </a:endParaRPr>
+          </a:p>
+          <a:p>
+            <a:pPr marL="685800" lvl="1" indent="-228600">
+              <a:buFont typeface="+mj-lt"/>
+              <a:buAutoNum type="arabicPeriod"/>
+            </a:pPr>
+            <a:r>
+              <a:rPr lang="en-US" sz="1000" dirty="0"/>
+              <a:t>install fly – see docs folder in git repo: </a:t>
+            </a:r>
+          </a:p>
+          <a:p>
+            <a:pPr lvl="1"/>
+            <a:r>
+              <a:rPr lang="en-US" sz="1000" b="1" dirty="0"/>
+              <a:t>https://</a:t>
+            </a:r>
+            <a:r>
+              <a:rPr lang="en-US" sz="1000" b="1" dirty="0" err="1"/>
+              <a:t>github.com</a:t>
+            </a:r>
+            <a:r>
+              <a:rPr lang="en-US" sz="1000" b="1" dirty="0"/>
+              <a:t>/</a:t>
+            </a:r>
+            <a:r>
+              <a:rPr lang="en-US" sz="1000" b="1" dirty="0" err="1"/>
+              <a:t>devops-ontap</a:t>
+            </a:r>
+            <a:r>
+              <a:rPr lang="en-US" sz="1000" b="1" dirty="0"/>
+              <a:t>/cisco-</a:t>
+            </a:r>
+            <a:r>
+              <a:rPr lang="en-US" sz="1000" b="1" dirty="0" err="1"/>
+              <a:t>fso</a:t>
+            </a:r>
+            <a:r>
+              <a:rPr lang="en-US" sz="1000" b="1" dirty="0"/>
+              <a:t>-labs/blob/main/Docs/API%20Enablement%20Track/Students/</a:t>
+            </a:r>
+            <a:r>
+              <a:rPr lang="en-US" sz="1000" b="1" dirty="0" err="1"/>
+              <a:t>How_To_Install_Fly.md</a:t>
+            </a:r>
+            <a:endParaRPr lang="en-US" sz="1000" b="1" dirty="0">
+              <a:latin typeface="+mn-lt"/>
+            </a:endParaRPr>
+          </a:p>
+          <a:p>
+            <a:pPr lvl="1"/>
+            <a:r>
+              <a:rPr lang="en-US" sz="1000" dirty="0">
+                <a:latin typeface="+mn-lt"/>
+              </a:rPr>
+              <a:t>5. Logon to TE (Instructor will place shared credential that is read only for GUI in Webex chat channel</a:t>
+            </a:r>
+          </a:p>
+          <a:p>
+            <a:pPr lvl="1"/>
+            <a:r>
+              <a:rPr lang="en-US" sz="1000" dirty="0">
+                <a:latin typeface="+mn-lt"/>
+              </a:rPr>
+              <a:t>6. Optional(install </a:t>
+            </a:r>
+            <a:r>
+              <a:rPr lang="en-US" sz="1000" dirty="0" err="1">
+                <a:latin typeface="+mn-lt"/>
+              </a:rPr>
+              <a:t>jupyter</a:t>
+            </a:r>
+            <a:r>
+              <a:rPr lang="en-US" sz="1000" dirty="0">
+                <a:latin typeface="+mn-lt"/>
+              </a:rPr>
+              <a:t> notebook:</a:t>
+            </a:r>
+          </a:p>
+          <a:p>
+            <a:pPr lvl="1"/>
+            <a:r>
+              <a:rPr lang="en-US" sz="1000" b="1" dirty="0"/>
+              <a:t>$pip install notebook </a:t>
+            </a:r>
+          </a:p>
+          <a:p>
+            <a:pPr lvl="1"/>
+            <a:r>
+              <a:rPr lang="en-US" sz="1000" b="1" dirty="0"/>
+              <a:t>$</a:t>
+            </a:r>
+            <a:r>
+              <a:rPr lang="en-US" sz="1000" b="1" dirty="0" err="1"/>
+              <a:t>jupyter</a:t>
+            </a:r>
+            <a:r>
+              <a:rPr lang="en-US" sz="1000" b="1" dirty="0"/>
+              <a:t> notebook</a:t>
+            </a:r>
+            <a:endParaRPr lang="en-US" sz="1000" b="1" dirty="0">
+              <a:latin typeface="+mn-lt"/>
+            </a:endParaRPr>
+          </a:p>
+        </p:txBody>
+      </p:sp>
+    </p:spTree>
+    <p:extLst>
+      <p:ext uri="{BB962C8B-B14F-4D97-AF65-F5344CB8AC3E}">
+        <p14:creationId xmlns:p14="http://schemas.microsoft.com/office/powerpoint/2010/main" val="1416594402"/>
+      </p:ext>
+    </p:extLst>
+  </p:cSld>
+  <p:clrMapOvr>
+    <a:masterClrMapping/>
+  </p:clrMapOvr>
+</p:sld>
+</file>
+
+<file path=ppt/slides/slide4.xml><?xml version="1.0" encoding="utf-8"?>
+<p:sld xmlns:a="http://schemas.openxmlformats.org/drawingml/2006/main" xmlns:r="http://schemas.openxmlformats.org/officeDocument/2006/relationships" xmlns:p="http://schemas.openxmlformats.org/presentationml/2006/main">
+  <p:cSld>
+    <p:spTree>
+      <p:nvGrpSpPr>
+        <p:cNvPr id="1" name=""/>
+        <p:cNvGrpSpPr/>
+        <p:nvPr/>
+      </p:nvGrpSpPr>
+      <p:grpSpPr>
+        <a:xfrm>
+          <a:off x="0" y="0"/>
+          <a:ext cx="0" cy="0"/>
+          <a:chOff x="0" y="0"/>
+          <a:chExt cx="0" cy="0"/>
+        </a:xfrm>
+      </p:grpSpPr>
+      <p:sp>
+        <p:nvSpPr>
+          <p:cNvPr id="2" name="Title 1">
+            <a:extLst>
+              <a:ext uri="{FF2B5EF4-FFF2-40B4-BE49-F238E27FC236}">
+                <a16:creationId xmlns:a16="http://schemas.microsoft.com/office/drawing/2014/main" id="{9105372A-48E8-7D02-BC5F-80D947E608D0}"/>
+              </a:ext>
+            </a:extLst>
+          </p:cNvPr>
+          <p:cNvSpPr>
+            <a:spLocks noGrp="1"/>
+          </p:cNvSpPr>
+          <p:nvPr>
+            <p:ph type="ctrTitle"/>
+          </p:nvPr>
+        </p:nvSpPr>
+        <p:spPr>
+          <a:xfrm>
+            <a:off x="416424" y="915408"/>
+            <a:ext cx="8194961" cy="4033663"/>
+          </a:xfrm>
+        </p:spPr>
+        <p:txBody>
+          <a:bodyPr/>
+          <a:lstStyle/>
+          <a:p>
+            <a:r>
+              <a:rPr lang="en-US" dirty="0"/>
+              <a:t>BIO BRAKE …20 MIN </a:t>
+            </a:r>
+            <a:br>
+              <a:rPr lang="en-US" dirty="0"/>
+            </a:br>
+            <a:r>
+              <a:rPr lang="en-US" dirty="0"/>
+              <a:t>PLEASE RETURN 12 PM GMT -6:00</a:t>
+            </a:r>
+            <a:br>
+              <a:rPr lang="en-US" dirty="0"/>
+            </a:br>
+            <a:r>
+              <a:rPr lang="en-US" dirty="0"/>
+              <a:t>DENVER TIME…after the break we will finish up </a:t>
+            </a:r>
+            <a:r>
+              <a:rPr lang="en-US" dirty="0" err="1"/>
+              <a:t>AppD</a:t>
+            </a:r>
+            <a:r>
+              <a:rPr lang="en-US" dirty="0"/>
+              <a:t> API and move on to </a:t>
+            </a:r>
+            <a:r>
+              <a:rPr lang="en-US" dirty="0" err="1"/>
+              <a:t>Intersight</a:t>
+            </a:r>
+            <a:endParaRPr lang="en-US" dirty="0"/>
+          </a:p>
+        </p:txBody>
+      </p:sp>
+    </p:spTree>
+    <p:extLst>
+      <p:ext uri="{BB962C8B-B14F-4D97-AF65-F5344CB8AC3E}">
+        <p14:creationId xmlns:p14="http://schemas.microsoft.com/office/powerpoint/2010/main" val="4223913254"/>
+      </p:ext>
+    </p:extLst>
+  </p:cSld>
+  <p:clrMapOvr>
+    <a:masterClrMapping/>
+  </p:clrMapOvr>
+</p:sld>
+</file>
+
+<file path=ppt/slides/slide5.xml><?xml version="1.0" encoding="utf-8"?>
 <p:sld xmlns:a="http://schemas.openxmlformats.org/drawingml/2006/main" xmlns:r="http://schemas.openxmlformats.org/officeDocument/2006/relationships" xmlns:p="http://schemas.openxmlformats.org/presentationml/2006/main">
   <p:cSld>
     <p:spTree>
@@ -11889,7 +12783,7 @@
 </p:sld>
 </file>
 
-<file path=ppt/slides/slide4.xml><?xml version="1.0" encoding="utf-8"?>
+<file path=ppt/slides/slide6.xml><?xml version="1.0" encoding="utf-8"?>
 <p:sld xmlns:a="http://schemas.openxmlformats.org/drawingml/2006/main" xmlns:r="http://schemas.openxmlformats.org/officeDocument/2006/relationships" xmlns:p="http://schemas.openxmlformats.org/presentationml/2006/main">
   <p:cSld>
     <p:spTree>
@@ -17605,7 +18499,7 @@
 </p:sld>
 </file>
 
-<file path=ppt/slides/slide5.xml><?xml version="1.0" encoding="utf-8"?>
+<file path=ppt/slides/slide7.xml><?xml version="1.0" encoding="utf-8"?>
 <p:sld xmlns:a="http://schemas.openxmlformats.org/drawingml/2006/main" xmlns:r="http://schemas.openxmlformats.org/officeDocument/2006/relationships" xmlns:p="http://schemas.openxmlformats.org/presentationml/2006/main">
   <p:cSld>
     <p:spTree>
@@ -17743,7 +18637,7 @@
 </p:sld>
 </file>
 
-<file path=ppt/slides/slide6.xml><?xml version="1.0" encoding="utf-8"?>
+<file path=ppt/slides/slide8.xml><?xml version="1.0" encoding="utf-8"?>
 <p:sld xmlns:a="http://schemas.openxmlformats.org/drawingml/2006/main" xmlns:r="http://schemas.openxmlformats.org/officeDocument/2006/relationships" xmlns:p="http://schemas.openxmlformats.org/presentationml/2006/main">
   <p:cSld>
     <p:spTree>
@@ -17916,7 +18810,7 @@
 </p:sld>
 </file>
 
-<file path=ppt/slides/slide7.xml><?xml version="1.0" encoding="utf-8"?>
+<file path=ppt/slides/slide9.xml><?xml version="1.0" encoding="utf-8"?>
 <p:sld xmlns:a="http://schemas.openxmlformats.org/drawingml/2006/main" xmlns:r="http://schemas.openxmlformats.org/officeDocument/2006/relationships" xmlns:p="http://schemas.openxmlformats.org/presentationml/2006/main">
   <p:cSld>
     <p:spTree>
@@ -18200,293 +19094,6 @@
     <p:extLst>
       <p:ext uri="{BB962C8B-B14F-4D97-AF65-F5344CB8AC3E}">
         <p14:creationId xmlns:p14="http://schemas.microsoft.com/office/powerpoint/2010/main" val="641361372"/>
-      </p:ext>
-    </p:extLst>
-  </p:cSld>
-  <p:clrMapOvr>
-    <a:masterClrMapping/>
-  </p:clrMapOvr>
-</p:sld>
-</file>
-
-<file path=ppt/slides/slide8.xml><?xml version="1.0" encoding="utf-8"?>
-<p:sld xmlns:a="http://schemas.openxmlformats.org/drawingml/2006/main" xmlns:r="http://schemas.openxmlformats.org/officeDocument/2006/relationships" xmlns:p="http://schemas.openxmlformats.org/presentationml/2006/main">
-  <p:cSld>
-    <p:spTree>
-      <p:nvGrpSpPr>
-        <p:cNvPr id="1" name=""/>
-        <p:cNvGrpSpPr/>
-        <p:nvPr/>
-      </p:nvGrpSpPr>
-      <p:grpSpPr>
-        <a:xfrm>
-          <a:off x="0" y="0"/>
-          <a:ext cx="0" cy="0"/>
-          <a:chOff x="0" y="0"/>
-          <a:chExt cx="0" cy="0"/>
-        </a:xfrm>
-      </p:grpSpPr>
-      <p:sp>
-        <p:nvSpPr>
-          <p:cNvPr id="2" name="Title 1">
-            <a:extLst>
-              <a:ext uri="{FF2B5EF4-FFF2-40B4-BE49-F238E27FC236}">
-                <a16:creationId xmlns:a16="http://schemas.microsoft.com/office/drawing/2014/main" id="{4CE4730D-A1A9-C742-94C3-5A486F425197}"/>
-              </a:ext>
-            </a:extLst>
-          </p:cNvPr>
-          <p:cNvSpPr>
-            <a:spLocks noGrp="1"/>
-          </p:cNvSpPr>
-          <p:nvPr>
-            <p:ph type="ctrTitle"/>
-          </p:nvPr>
-        </p:nvSpPr>
-        <p:spPr>
-          <a:xfrm>
-            <a:off x="678818" y="573503"/>
-            <a:ext cx="7598042" cy="794121"/>
-          </a:xfrm>
-        </p:spPr>
-        <p:txBody>
-          <a:bodyPr/>
-          <a:lstStyle/>
-          <a:p>
-            <a:r>
-              <a:rPr lang="en-US" sz="1600" dirty="0"/>
-              <a:t>Warning! The Chaos Monkey May Strike Overnight at Anytime! Please ensure you Commit your code the end of day!</a:t>
-            </a:r>
-          </a:p>
-        </p:txBody>
-      </p:sp>
-      <p:pic>
-        <p:nvPicPr>
-          <p:cNvPr id="7" name="Picture 6">
-            <a:extLst>
-              <a:ext uri="{FF2B5EF4-FFF2-40B4-BE49-F238E27FC236}">
-                <a16:creationId xmlns:a16="http://schemas.microsoft.com/office/drawing/2014/main" id="{2F955241-13AF-EE40-96E4-2FA3163579F8}"/>
-              </a:ext>
-            </a:extLst>
-          </p:cNvPr>
-          <p:cNvPicPr>
-            <a:picLocks noChangeAspect="1"/>
-          </p:cNvPicPr>
-          <p:nvPr/>
-        </p:nvPicPr>
-        <p:blipFill>
-          <a:blip r:embed="rId2"/>
-          <a:stretch>
-            <a:fillRect/>
-          </a:stretch>
-        </p:blipFill>
-        <p:spPr>
-          <a:xfrm>
-            <a:off x="2769866" y="1431235"/>
-            <a:ext cx="3719676" cy="3426018"/>
-          </a:xfrm>
-          <a:prstGeom prst="rect">
-            <a:avLst/>
-          </a:prstGeom>
-        </p:spPr>
-      </p:pic>
-    </p:spTree>
-    <p:extLst>
-      <p:ext uri="{BB962C8B-B14F-4D97-AF65-F5344CB8AC3E}">
-        <p14:creationId xmlns:p14="http://schemas.microsoft.com/office/powerpoint/2010/main" val="3542388819"/>
-      </p:ext>
-    </p:extLst>
-  </p:cSld>
-  <p:clrMapOvr>
-    <a:masterClrMapping/>
-  </p:clrMapOvr>
-</p:sld>
-</file>
-
-<file path=ppt/slides/slide9.xml><?xml version="1.0" encoding="utf-8"?>
-<p:sld xmlns:a="http://schemas.openxmlformats.org/drawingml/2006/main" xmlns:r="http://schemas.openxmlformats.org/officeDocument/2006/relationships" xmlns:p="http://schemas.openxmlformats.org/presentationml/2006/main">
-  <p:cSld>
-    <p:spTree>
-      <p:nvGrpSpPr>
-        <p:cNvPr id="1" name=""/>
-        <p:cNvGrpSpPr/>
-        <p:nvPr/>
-      </p:nvGrpSpPr>
-      <p:grpSpPr>
-        <a:xfrm>
-          <a:off x="0" y="0"/>
-          <a:ext cx="0" cy="0"/>
-          <a:chOff x="0" y="0"/>
-          <a:chExt cx="0" cy="0"/>
-        </a:xfrm>
-      </p:grpSpPr>
-      <p:sp>
-        <p:nvSpPr>
-          <p:cNvPr id="2" name="Title 1">
-            <a:extLst>
-              <a:ext uri="{FF2B5EF4-FFF2-40B4-BE49-F238E27FC236}">
-                <a16:creationId xmlns:a16="http://schemas.microsoft.com/office/drawing/2014/main" id="{51E57940-3F1A-864D-9F46-D49FE377BAC4}"/>
-              </a:ext>
-            </a:extLst>
-          </p:cNvPr>
-          <p:cNvSpPr>
-            <a:spLocks noGrp="1"/>
-          </p:cNvSpPr>
-          <p:nvPr>
-            <p:ph type="ctrTitle"/>
-          </p:nvPr>
-        </p:nvSpPr>
-        <p:spPr>
-          <a:xfrm>
-            <a:off x="416424" y="310102"/>
-            <a:ext cx="8544695" cy="4333460"/>
-          </a:xfrm>
-        </p:spPr>
-        <p:txBody>
-          <a:bodyPr/>
-          <a:lstStyle/>
-          <a:p>
-            <a:r>
-              <a:rPr lang="en-US" sz="1600" dirty="0"/>
-              <a:t>Lab Instruction: Phase 1 Part 1 (20-30 min)</a:t>
-            </a:r>
-            <a:br>
-              <a:rPr lang="en-US" sz="1600" dirty="0"/>
-            </a:br>
-            <a:r>
-              <a:rPr lang="en-US" sz="1600" dirty="0"/>
-              <a:t>Clone Repo</a:t>
-            </a:r>
-            <a:br>
-              <a:rPr lang="en-US" sz="1600" dirty="0"/>
-            </a:br>
-            <a:r>
-              <a:rPr lang="en-US" sz="1600" dirty="0"/>
-              <a:t>Checkout Branch &amp; Fetch Updates</a:t>
-            </a:r>
-            <a:br>
-              <a:rPr lang="en-US" sz="1600" dirty="0"/>
-            </a:br>
-            <a:r>
-              <a:rPr lang="en-US" sz="1600" dirty="0"/>
-              <a:t>Verify your </a:t>
-            </a:r>
-            <a:r>
-              <a:rPr lang="en-US" sz="1600" dirty="0" err="1"/>
-              <a:t>lab_vars.py</a:t>
-            </a:r>
-            <a:r>
-              <a:rPr lang="en-US" sz="1600" dirty="0"/>
-              <a:t> file, update your lab-</a:t>
-            </a:r>
-            <a:r>
-              <a:rPr lang="en-US" sz="1600" dirty="0" err="1"/>
-              <a:t>note.txt</a:t>
-            </a:r>
-            <a:br>
-              <a:rPr lang="en-US" sz="1600" dirty="0"/>
-            </a:br>
-            <a:r>
-              <a:rPr lang="en-US" sz="1600" dirty="0"/>
-              <a:t>Git Add, Git Commit, Git Push</a:t>
-            </a:r>
-            <a:br>
-              <a:rPr lang="en-US" sz="1600" dirty="0"/>
-            </a:br>
-            <a:r>
-              <a:rPr lang="en-US" sz="1600" dirty="0"/>
-              <a:t>Logon to Pipeline</a:t>
-            </a:r>
-            <a:br>
-              <a:rPr lang="en-US" sz="1600" dirty="0"/>
-            </a:br>
-            <a:r>
-              <a:rPr lang="en-US" sz="1600" dirty="0"/>
-              <a:t>Deploy Pipeline – Capture your SSH Key</a:t>
-            </a:r>
-            <a:br>
-              <a:rPr lang="en-US" sz="1600" dirty="0"/>
-            </a:br>
-            <a:r>
-              <a:rPr lang="en-US" sz="1600" dirty="0"/>
-              <a:t>SSH To Test Linux, CSR</a:t>
-            </a:r>
-            <a:br>
-              <a:rPr lang="en-US" sz="1600" dirty="0"/>
-            </a:br>
-            <a:r>
-              <a:rPr lang="en-US" sz="1600" dirty="0"/>
-              <a:t>Wait for Instructor Before Configuring CSR</a:t>
-            </a:r>
-            <a:br>
-              <a:rPr lang="en-US" sz="1600" dirty="0"/>
-            </a:br>
-            <a:br>
-              <a:rPr lang="en-US" sz="1600" dirty="0"/>
-            </a:br>
-            <a:r>
-              <a:rPr lang="en-US" sz="1600" dirty="0"/>
-              <a:t>Lab Instruction Phase 1 Part 2 (10-20 min)</a:t>
-            </a:r>
-            <a:br>
-              <a:rPr lang="en-US" sz="1600" dirty="0"/>
-            </a:br>
-            <a:r>
-              <a:rPr lang="en-US" sz="1600" dirty="0"/>
-              <a:t>CSR – check 2</a:t>
-            </a:r>
-            <a:r>
-              <a:rPr lang="en-US" sz="1600" baseline="30000" dirty="0"/>
-              <a:t>nd</a:t>
-            </a:r>
-            <a:r>
-              <a:rPr lang="en-US" sz="1600" dirty="0"/>
-              <a:t> NIC </a:t>
-            </a:r>
-            <a:br>
-              <a:rPr lang="en-US" sz="1600" dirty="0"/>
-            </a:br>
-            <a:r>
-              <a:rPr lang="en-US" sz="1600" dirty="0"/>
-              <a:t>Run the Configure CSR Task to Configure your CSR</a:t>
-            </a:r>
-            <a:br>
-              <a:rPr lang="en-US" sz="1600" dirty="0"/>
-            </a:br>
-            <a:r>
-              <a:rPr lang="en-US" sz="1600" dirty="0"/>
-              <a:t>Verify that traffic from Linux User01 is being routed outside CSR</a:t>
-            </a:r>
-            <a:br>
-              <a:rPr lang="en-US" sz="1600" dirty="0"/>
-            </a:br>
-            <a:r>
-              <a:rPr lang="en-US" sz="1600" dirty="0"/>
-              <a:t>Deploy Thousand Eyes Agent on Linux VMs</a:t>
-            </a:r>
-            <a:br>
-              <a:rPr lang="en-US" sz="1600" dirty="0"/>
-            </a:br>
-            <a:r>
-              <a:rPr lang="en-US" sz="1600" dirty="0"/>
-              <a:t>Logon to Thousand Eyes Console</a:t>
-            </a:r>
-            <a:br>
-              <a:rPr lang="en-US" sz="1600" dirty="0"/>
-            </a:br>
-            <a:br>
-              <a:rPr lang="en-US" sz="1600" dirty="0"/>
-            </a:br>
-            <a:r>
-              <a:rPr lang="en-US" sz="1600" dirty="0"/>
-              <a:t>Students Commit Code to Branch for Overnight Marking. Code Passing Tests will be added to Student Pipeline. At End of Training Lab on Final Day, Students will be challenged to rebuild their lab 100% from their Code Branch.</a:t>
-            </a:r>
-          </a:p>
-        </p:txBody>
-      </p:sp>
-    </p:spTree>
-    <p:extLst>
-      <p:ext uri="{BB962C8B-B14F-4D97-AF65-F5344CB8AC3E}">
-        <p14:creationId xmlns:p14="http://schemas.microsoft.com/office/powerpoint/2010/main" val="1867570614"/>
       </p:ext>
     </p:extLst>
   </p:cSld>
